--- a/Trabalho03_v2/WeMSG.pptx
+++ b/Trabalho03_v2/WeMSG.pptx
@@ -107,6 +107,11 @@
       </a:defRPr>
     </a:lvl9pPr>
   </p:defaultTextStyle>
+  <p:extLst>
+    <p:ext uri="{EFAFB233-063F-42B5-8137-9DF3F51BA10A}">
+      <p15:sldGuideLst xmlns:p15="http://schemas.microsoft.com/office/powerpoint/2012/main"/>
+    </p:ext>
+  </p:extLst>
 </p:presentation>
 </file>
 
@@ -8687,7 +8692,7 @@
       </p:sp>
       <p:pic>
         <p:nvPicPr>
-          <p:cNvPr id="7" name="Imagem 6"/>
+          <p:cNvPr id="8" name="Imagem 7"/>
           <p:cNvPicPr>
             <a:picLocks noChangeAspect="1"/>
           </p:cNvPicPr>
@@ -8701,31 +8706,7 @@
         </p:blipFill>
         <p:spPr>
           <a:xfrm>
-            <a:off x="266700" y="1160062"/>
-            <a:ext cx="3853034" cy="5532177"/>
-          </a:xfrm>
-          <a:prstGeom prst="rect">
-            <a:avLst/>
-          </a:prstGeom>
-        </p:spPr>
-      </p:pic>
-      <p:pic>
-        <p:nvPicPr>
-          <p:cNvPr id="8" name="Imagem 7"/>
-          <p:cNvPicPr>
-            <a:picLocks noChangeAspect="1"/>
-          </p:cNvPicPr>
-          <p:nvPr/>
-        </p:nvPicPr>
-        <p:blipFill>
-          <a:blip r:embed="rId3"/>
-          <a:stretch>
-            <a:fillRect/>
-          </a:stretch>
-        </p:blipFill>
-        <p:spPr>
-          <a:xfrm>
-            <a:off x="4119734" y="1160062"/>
+            <a:off x="4119734" y="1155244"/>
             <a:ext cx="3957983" cy="5544198"/>
           </a:xfrm>
           <a:prstGeom prst="rect">
@@ -8742,7 +8723,7 @@
           <p:nvPr/>
         </p:nvPicPr>
         <p:blipFill>
-          <a:blip r:embed="rId4"/>
+          <a:blip r:embed="rId3"/>
           <a:stretch>
             <a:fillRect/>
           </a:stretch>
@@ -8751,6 +8732,30 @@
           <a:xfrm>
             <a:off x="8208341" y="1160062"/>
             <a:ext cx="3822610" cy="5482038"/>
+          </a:xfrm>
+          <a:prstGeom prst="rect">
+            <a:avLst/>
+          </a:prstGeom>
+        </p:spPr>
+      </p:pic>
+      <p:pic>
+        <p:nvPicPr>
+          <p:cNvPr id="5" name="Imagem 4"/>
+          <p:cNvPicPr>
+            <a:picLocks noChangeAspect="1"/>
+          </p:cNvPicPr>
+          <p:nvPr/>
+        </p:nvPicPr>
+        <p:blipFill>
+          <a:blip r:embed="rId4"/>
+          <a:stretch>
+            <a:fillRect/>
+          </a:stretch>
+        </p:blipFill>
+        <p:spPr>
+          <a:xfrm>
+            <a:off x="105155" y="1155244"/>
+            <a:ext cx="3883955" cy="5486856"/>
           </a:xfrm>
           <a:prstGeom prst="rect">
             <a:avLst/>
